--- a/Documents/SAJO.pptx
+++ b/Documents/SAJO.pptx
@@ -252,7 +252,7 @@
           <a:p>
             <a:fld id="{FA488852-0E6D-4B1A-90C7-3C06E5EF8F3B}" type="datetimeFigureOut">
               <a:rPr lang="ko-KR" altLang="en-US" smtClean="0"/>
-              <a:t>2023-06-01</a:t>
+              <a:t>2023-06-05</a:t>
             </a:fld>
             <a:endParaRPr lang="ko-KR" altLang="en-US"/>
           </a:p>
@@ -420,7 +420,7 @@
           <a:p>
             <a:fld id="{FA488852-0E6D-4B1A-90C7-3C06E5EF8F3B}" type="datetimeFigureOut">
               <a:rPr lang="ko-KR" altLang="en-US" smtClean="0"/>
-              <a:t>2023-06-01</a:t>
+              <a:t>2023-06-05</a:t>
             </a:fld>
             <a:endParaRPr lang="ko-KR" altLang="en-US"/>
           </a:p>
@@ -598,7 +598,7 @@
           <a:p>
             <a:fld id="{FA488852-0E6D-4B1A-90C7-3C06E5EF8F3B}" type="datetimeFigureOut">
               <a:rPr lang="ko-KR" altLang="en-US" smtClean="0"/>
-              <a:t>2023-06-01</a:t>
+              <a:t>2023-06-05</a:t>
             </a:fld>
             <a:endParaRPr lang="ko-KR" altLang="en-US"/>
           </a:p>
@@ -766,7 +766,7 @@
           <a:p>
             <a:fld id="{FA488852-0E6D-4B1A-90C7-3C06E5EF8F3B}" type="datetimeFigureOut">
               <a:rPr lang="ko-KR" altLang="en-US" smtClean="0"/>
-              <a:t>2023-06-01</a:t>
+              <a:t>2023-06-05</a:t>
             </a:fld>
             <a:endParaRPr lang="ko-KR" altLang="en-US"/>
           </a:p>
@@ -1011,7 +1011,7 @@
           <a:p>
             <a:fld id="{FA488852-0E6D-4B1A-90C7-3C06E5EF8F3B}" type="datetimeFigureOut">
               <a:rPr lang="ko-KR" altLang="en-US" smtClean="0"/>
-              <a:t>2023-06-01</a:t>
+              <a:t>2023-06-05</a:t>
             </a:fld>
             <a:endParaRPr lang="ko-KR" altLang="en-US"/>
           </a:p>
@@ -1240,7 +1240,7 @@
           <a:p>
             <a:fld id="{FA488852-0E6D-4B1A-90C7-3C06E5EF8F3B}" type="datetimeFigureOut">
               <a:rPr lang="ko-KR" altLang="en-US" smtClean="0"/>
-              <a:t>2023-06-01</a:t>
+              <a:t>2023-06-05</a:t>
             </a:fld>
             <a:endParaRPr lang="ko-KR" altLang="en-US"/>
           </a:p>
@@ -1604,7 +1604,7 @@
           <a:p>
             <a:fld id="{FA488852-0E6D-4B1A-90C7-3C06E5EF8F3B}" type="datetimeFigureOut">
               <a:rPr lang="ko-KR" altLang="en-US" smtClean="0"/>
-              <a:t>2023-06-01</a:t>
+              <a:t>2023-06-05</a:t>
             </a:fld>
             <a:endParaRPr lang="ko-KR" altLang="en-US"/>
           </a:p>
@@ -1721,7 +1721,7 @@
           <a:p>
             <a:fld id="{FA488852-0E6D-4B1A-90C7-3C06E5EF8F3B}" type="datetimeFigureOut">
               <a:rPr lang="ko-KR" altLang="en-US" smtClean="0"/>
-              <a:t>2023-06-01</a:t>
+              <a:t>2023-06-05</a:t>
             </a:fld>
             <a:endParaRPr lang="ko-KR" altLang="en-US"/>
           </a:p>
@@ -1816,7 +1816,7 @@
           <a:p>
             <a:fld id="{FA488852-0E6D-4B1A-90C7-3C06E5EF8F3B}" type="datetimeFigureOut">
               <a:rPr lang="ko-KR" altLang="en-US" smtClean="0"/>
-              <a:t>2023-06-01</a:t>
+              <a:t>2023-06-05</a:t>
             </a:fld>
             <a:endParaRPr lang="ko-KR" altLang="en-US"/>
           </a:p>
@@ -2091,7 +2091,7 @@
           <a:p>
             <a:fld id="{FA488852-0E6D-4B1A-90C7-3C06E5EF8F3B}" type="datetimeFigureOut">
               <a:rPr lang="ko-KR" altLang="en-US" smtClean="0"/>
-              <a:t>2023-06-01</a:t>
+              <a:t>2023-06-05</a:t>
             </a:fld>
             <a:endParaRPr lang="ko-KR" altLang="en-US"/>
           </a:p>
@@ -2343,7 +2343,7 @@
           <a:p>
             <a:fld id="{FA488852-0E6D-4B1A-90C7-3C06E5EF8F3B}" type="datetimeFigureOut">
               <a:rPr lang="ko-KR" altLang="en-US" smtClean="0"/>
-              <a:t>2023-06-01</a:t>
+              <a:t>2023-06-05</a:t>
             </a:fld>
             <a:endParaRPr lang="ko-KR" altLang="en-US"/>
           </a:p>
@@ -2554,7 +2554,7 @@
           <a:p>
             <a:fld id="{FA488852-0E6D-4B1A-90C7-3C06E5EF8F3B}" type="datetimeFigureOut">
               <a:rPr lang="ko-KR" altLang="en-US" smtClean="0"/>
-              <a:t>2023-06-01</a:t>
+              <a:t>2023-06-05</a:t>
             </a:fld>
             <a:endParaRPr lang="ko-KR" altLang="en-US"/>
           </a:p>
@@ -5938,7 +5938,7 @@
           <p:nvPr>
             <p:extLst>
               <p:ext uri="{D42A27DB-BD31-4B8C-83A1-F6EECF244321}">
-                <p14:modId xmlns:p14="http://schemas.microsoft.com/office/powerpoint/2010/main" val="2579374794"/>
+                <p14:modId xmlns:p14="http://schemas.microsoft.com/office/powerpoint/2010/main" val="4232473635"/>
               </p:ext>
             </p:extLst>
           </p:nvPr>
@@ -6685,72 +6685,19 @@
                     <a:p>
                       <a:pPr algn="ctr" latinLnBrk="1"/>
                       <a:r>
+                        <a:rPr lang="en-US" altLang="ko-KR" sz="2400" dirty="0">
+                          <a:latin typeface="배달의민족 한나체 Pro OTF" panose="020B0600000101010101" pitchFamily="34" charset="-127"/>
+                          <a:ea typeface="배달의민족 한나체 Pro OTF" panose="020B0600000101010101" pitchFamily="34" charset="-127"/>
+                        </a:rPr>
+                        <a:t>insert/update</a:t>
+                      </a:r>
+                      <a:r>
                         <a:rPr lang="ko-KR" altLang="en-US" sz="2400" dirty="0">
                           <a:latin typeface="배달의민족 한나체 Pro OTF" panose="020B0600000101010101" pitchFamily="34" charset="-127"/>
                           <a:ea typeface="배달의민족 한나체 Pro OTF" panose="020B0600000101010101" pitchFamily="34" charset="-127"/>
                         </a:rPr>
-                        <a:t>플레이리스트 관련 작업</a:t>
-                      </a:r>
-                      <a:r>
-                        <a:rPr lang="en-US" altLang="ko-KR" sz="2400" dirty="0">
-                          <a:latin typeface="배달의민족 한나체 Pro OTF" panose="020B0600000101010101" pitchFamily="34" charset="-127"/>
-                          <a:ea typeface="배달의민족 한나체 Pro OTF" panose="020B0600000101010101" pitchFamily="34" charset="-127"/>
-                        </a:rPr>
-                        <a:t>,  ‘</a:t>
-                      </a:r>
-                      <a:r>
-                        <a:rPr lang="ko-KR" altLang="en-US" sz="2400" dirty="0">
-                          <a:latin typeface="배달의민족 한나체 Pro OTF" panose="020B0600000101010101" pitchFamily="34" charset="-127"/>
-                          <a:ea typeface="배달의민족 한나체 Pro OTF" panose="020B0600000101010101" pitchFamily="34" charset="-127"/>
-                        </a:rPr>
-                        <a:t>공부</a:t>
-                      </a:r>
-                      <a:r>
-                        <a:rPr lang="en-US" altLang="ko-KR" sz="2400" dirty="0">
-                          <a:latin typeface="배달의민족 한나체 Pro OTF" panose="020B0600000101010101" pitchFamily="34" charset="-127"/>
-                          <a:ea typeface="배달의민족 한나체 Pro OTF" panose="020B0600000101010101" pitchFamily="34" charset="-127"/>
-                        </a:rPr>
-                        <a:t>’</a:t>
-                      </a:r>
-                      <a:r>
-                        <a:rPr lang="ko-KR" altLang="en-US" sz="2400" dirty="0">
-                          <a:latin typeface="배달의민족 한나체 Pro OTF" panose="020B0600000101010101" pitchFamily="34" charset="-127"/>
-                          <a:ea typeface="배달의민족 한나체 Pro OTF" panose="020B0600000101010101" pitchFamily="34" charset="-127"/>
-                        </a:rPr>
-                        <a:t>관련 작업</a:t>
-                      </a:r>
-                      <a:r>
-                        <a:rPr lang="en-US" altLang="ko-KR" sz="2400" dirty="0">
-                          <a:latin typeface="배달의민족 한나체 Pro OTF" panose="020B0600000101010101" pitchFamily="34" charset="-127"/>
-                          <a:ea typeface="배달의민족 한나체 Pro OTF" panose="020B0600000101010101" pitchFamily="34" charset="-127"/>
-                        </a:rPr>
-                        <a:t>, </a:t>
-                      </a:r>
-                      <a:r>
-                        <a:rPr lang="ko-KR" altLang="en-US" sz="2400" dirty="0" err="1">
-                          <a:latin typeface="배달의민족 한나체 Pro OTF" panose="020B0600000101010101" pitchFamily="34" charset="-127"/>
-                          <a:ea typeface="배달의민족 한나체 Pro OTF" panose="020B0600000101010101" pitchFamily="34" charset="-127"/>
-                        </a:rPr>
-                        <a:t>신청곡</a:t>
-                      </a:r>
-                      <a:r>
-                        <a:rPr lang="ko-KR" altLang="en-US" sz="2400" dirty="0">
-                          <a:latin typeface="배달의민족 한나체 Pro OTF" panose="020B0600000101010101" pitchFamily="34" charset="-127"/>
-                          <a:ea typeface="배달의민족 한나체 Pro OTF" panose="020B0600000101010101" pitchFamily="34" charset="-127"/>
-                        </a:rPr>
-                        <a:t> 신청</a:t>
-                      </a:r>
-                      <a:r>
-                        <a:rPr lang="en-US" altLang="ko-KR" sz="2400" dirty="0">
-                          <a:latin typeface="배달의민족 한나체 Pro OTF" panose="020B0600000101010101" pitchFamily="34" charset="-127"/>
-                          <a:ea typeface="배달의민족 한나체 Pro OTF" panose="020B0600000101010101" pitchFamily="34" charset="-127"/>
-                        </a:rPr>
-                        <a:t> </a:t>
-                      </a:r>
-                      <a:endParaRPr lang="ko-KR" altLang="en-US" sz="2400" dirty="0">
-                        <a:latin typeface="배달의민족 한나체 Pro OTF" panose="020B0600000101010101" pitchFamily="34" charset="-127"/>
-                        <a:ea typeface="배달의민족 한나체 Pro OTF" panose="020B0600000101010101" pitchFamily="34" charset="-127"/>
-                      </a:endParaRPr>
+                        <a:t>문 작성</a:t>
+                      </a:r>
                     </a:p>
                   </a:txBody>
                   <a:tcPr anchor="ctr">
